--- a/module project AI.pptx
+++ b/module project AI.pptx
@@ -229,7 +229,7 @@
             <a:fld id="{D98C5D69-B83B-481D-8320-DDAEF32C70E8}" type="datetimeFigureOut">
               <a:rPr lang="en-US" smtClean="0"/>
               <a:pPr/>
-              <a:t>8/2/2023</a:t>
+              <a:t>10/10/2023</a:t>
             </a:fld>
             <a:endParaRPr lang="en-US"/>
           </a:p>
@@ -409,7 +409,7 @@
             <a:fld id="{7E14D807-A3B0-4255-BB57-9ED07E0D0806}" type="datetimeFigureOut">
               <a:rPr lang="en-US" smtClean="0"/>
               <a:pPr/>
-              <a:t>8/2/2023</a:t>
+              <a:t>10/10/2023</a:t>
             </a:fld>
             <a:endParaRPr lang="en-US"/>
           </a:p>
@@ -4082,16 +4082,16 @@
           <a:lstStyle/>
           <a:p>
             <a:r>
+              <a:rPr lang="en-US" dirty="0" err="1" smtClean="0"/>
+              <a:t>Liaqat</a:t>
+            </a:r>
+            <a:r>
+              <a:rPr lang="en-US" dirty="0" smtClean="0"/>
+              <a:t> Ali Khan</a:t>
+            </a:r>
+            <a:r>
               <a:rPr lang="en-US" dirty="0"/>
-              <a:t>Shoaib </a:t>
-            </a:r>
-            <a:r>
-              <a:rPr lang="en-US" dirty="0" err="1"/>
-              <a:t>Ud</a:t>
-            </a:r>
-            <a:r>
-              <a:rPr lang="en-US" dirty="0"/>
-              <a:t>-din 	</a:t>
+              <a:t>	</a:t>
             </a:r>
           </a:p>
           <a:p>
@@ -4109,11 +4109,15 @@
                 <a:latin typeface="Times New Roman" panose="02020603050405020304" pitchFamily="18" charset="0"/>
                 <a:cs typeface="Times New Roman" panose="02020603050405020304" pitchFamily="18" charset="0"/>
               </a:rPr>
-              <a:t>Mr. Muhammad Hassan</a:t>
-            </a:r>
-            <a:endParaRPr lang="en-US" dirty="0"/>
-          </a:p>
-          <a:p>
+              <a:t>Mr. </a:t>
+            </a:r>
+            <a:r>
+              <a:rPr lang="en-IN" b="1" dirty="0" smtClean="0">
+                <a:latin typeface="Times New Roman" panose="02020603050405020304" pitchFamily="18" charset="0"/>
+                <a:cs typeface="Times New Roman" panose="02020603050405020304" pitchFamily="18" charset="0"/>
+              </a:rPr>
+              <a:t>Noman</a:t>
+            </a:r>
             <a:endParaRPr lang="en-US" dirty="0"/>
           </a:p>
           <a:p>
@@ -4218,12 +4222,12 @@
           <a:graphicData uri="http://schemas.openxmlformats.org/presentationml/2006/ole">
             <mc:AlternateContent xmlns:mc="http://schemas.openxmlformats.org/markup-compatibility/2006">
               <mc:Choice xmlns:v="urn:schemas-microsoft-com:vml" Requires="v">
-                <p:oleObj r:id="rId3" imgW="6317528" imgH="1097375" progId="PBrush">
+                <p:oleObj spid="_x0000_s1026" r:id="rId4" imgW="6317528" imgH="1097375" progId="PBrush">
                   <p:embed/>
                 </p:oleObj>
               </mc:Choice>
               <mc:Fallback>
-                <p:oleObj r:id="rId3" imgW="6317528" imgH="1097375" progId="PBrush">
+                <p:oleObj r:id="rId4" imgW="6317528" imgH="1097375" progId="PBrush">
                   <p:embed/>
                   <p:pic>
                     <p:nvPicPr>
@@ -4234,7 +4238,7 @@
                       <p:nvPr/>
                     </p:nvPicPr>
                     <p:blipFill>
-                      <a:blip r:embed="rId4">
+                      <a:blip r:embed="rId5">
                         <a:extLst>
                           <a:ext uri="{28A0092B-C50C-407E-A947-70E740481C1C}">
                             <a14:useLocalDpi xmlns:a14="http://schemas.microsoft.com/office/drawing/2010/main" val="0"/>
@@ -4881,7 +4885,7 @@
           </p:nvPr>
         </p:nvPicPr>
         <p:blipFill>
-          <a:blip r:embed="rId2">
+          <a:blip r:embed="rId2" cstate="hqprint">
             <a:extLst>
               <a:ext uri="{28A0092B-C50C-407E-A947-70E740481C1C}">
                 <a14:useLocalDpi xmlns:a14="http://schemas.microsoft.com/office/drawing/2010/main" val="0"/>
